--- a/Scrambled Speech Update 8-12.pptx
+++ b/Scrambled Speech Update 8-12.pptx
@@ -6,9 +6,10 @@
   </p:sldMasterIdLst>
   <p:sldIdLst>
     <p:sldId id="256" r:id="rId2"/>
-    <p:sldId id="257" r:id="rId3"/>
-    <p:sldId id="258" r:id="rId4"/>
-    <p:sldId id="259" r:id="rId5"/>
+    <p:sldId id="262" r:id="rId3"/>
+    <p:sldId id="261" r:id="rId4"/>
+    <p:sldId id="260" r:id="rId5"/>
+    <p:sldId id="263" r:id="rId6"/>
   </p:sldIdLst>
   <p:sldSz cx="12192000" cy="6858000"/>
   <p:notesSz cx="6858000" cy="9144000"/>
@@ -107,6 +108,11 @@
       </a:defRPr>
     </a:lvl9pPr>
   </p:defaultTextStyle>
+  <p:extLst>
+    <p:ext uri="{EFAFB233-063F-42B5-8137-9DF3F51BA10A}">
+      <p15:sldGuideLst xmlns:p15="http://schemas.microsoft.com/office/powerpoint/2012/main"/>
+    </p:ext>
+  </p:extLst>
 </p:presentation>
 </file>
 
@@ -257,7 +263,7 @@
           <a:p>
             <a:fld id="{96852758-24CB-4145-8230-DC2D0A275972}" type="datetimeFigureOut">
               <a:rPr lang="en-US" smtClean="0"/>
-              <a:t>8/11/2024</a:t>
+              <a:t>8/12/2024</a:t>
             </a:fld>
             <a:endParaRPr lang="en-US"/>
           </a:p>
@@ -455,7 +461,7 @@
           <a:p>
             <a:fld id="{96852758-24CB-4145-8230-DC2D0A275972}" type="datetimeFigureOut">
               <a:rPr lang="en-US" smtClean="0"/>
-              <a:t>8/11/2024</a:t>
+              <a:t>8/12/2024</a:t>
             </a:fld>
             <a:endParaRPr lang="en-US"/>
           </a:p>
@@ -663,7 +669,7 @@
           <a:p>
             <a:fld id="{96852758-24CB-4145-8230-DC2D0A275972}" type="datetimeFigureOut">
               <a:rPr lang="en-US" smtClean="0"/>
-              <a:t>8/11/2024</a:t>
+              <a:t>8/12/2024</a:t>
             </a:fld>
             <a:endParaRPr lang="en-US"/>
           </a:p>
@@ -861,7 +867,7 @@
           <a:p>
             <a:fld id="{96852758-24CB-4145-8230-DC2D0A275972}" type="datetimeFigureOut">
               <a:rPr lang="en-US" smtClean="0"/>
-              <a:t>8/11/2024</a:t>
+              <a:t>8/12/2024</a:t>
             </a:fld>
             <a:endParaRPr lang="en-US"/>
           </a:p>
@@ -1136,7 +1142,7 @@
           <a:p>
             <a:fld id="{96852758-24CB-4145-8230-DC2D0A275972}" type="datetimeFigureOut">
               <a:rPr lang="en-US" smtClean="0"/>
-              <a:t>8/11/2024</a:t>
+              <a:t>8/12/2024</a:t>
             </a:fld>
             <a:endParaRPr lang="en-US"/>
           </a:p>
@@ -1401,7 +1407,7 @@
           <a:p>
             <a:fld id="{96852758-24CB-4145-8230-DC2D0A275972}" type="datetimeFigureOut">
               <a:rPr lang="en-US" smtClean="0"/>
-              <a:t>8/11/2024</a:t>
+              <a:t>8/12/2024</a:t>
             </a:fld>
             <a:endParaRPr lang="en-US"/>
           </a:p>
@@ -1813,7 +1819,7 @@
           <a:p>
             <a:fld id="{96852758-24CB-4145-8230-DC2D0A275972}" type="datetimeFigureOut">
               <a:rPr lang="en-US" smtClean="0"/>
-              <a:t>8/11/2024</a:t>
+              <a:t>8/12/2024</a:t>
             </a:fld>
             <a:endParaRPr lang="en-US"/>
           </a:p>
@@ -1954,7 +1960,7 @@
           <a:p>
             <a:fld id="{96852758-24CB-4145-8230-DC2D0A275972}" type="datetimeFigureOut">
               <a:rPr lang="en-US" smtClean="0"/>
-              <a:t>8/11/2024</a:t>
+              <a:t>8/12/2024</a:t>
             </a:fld>
             <a:endParaRPr lang="en-US"/>
           </a:p>
@@ -2067,7 +2073,7 @@
           <a:p>
             <a:fld id="{96852758-24CB-4145-8230-DC2D0A275972}" type="datetimeFigureOut">
               <a:rPr lang="en-US" smtClean="0"/>
-              <a:t>8/11/2024</a:t>
+              <a:t>8/12/2024</a:t>
             </a:fld>
             <a:endParaRPr lang="en-US"/>
           </a:p>
@@ -2378,7 +2384,7 @@
           <a:p>
             <a:fld id="{96852758-24CB-4145-8230-DC2D0A275972}" type="datetimeFigureOut">
               <a:rPr lang="en-US" smtClean="0"/>
-              <a:t>8/11/2024</a:t>
+              <a:t>8/12/2024</a:t>
             </a:fld>
             <a:endParaRPr lang="en-US"/>
           </a:p>
@@ -2666,7 +2672,7 @@
           <a:p>
             <a:fld id="{96852758-24CB-4145-8230-DC2D0A275972}" type="datetimeFigureOut">
               <a:rPr lang="en-US" smtClean="0"/>
-              <a:t>8/11/2024</a:t>
+              <a:t>8/12/2024</a:t>
             </a:fld>
             <a:endParaRPr lang="en-US"/>
           </a:p>
@@ -2907,7 +2913,7 @@
           <a:p>
             <a:fld id="{96852758-24CB-4145-8230-DC2D0A275972}" type="datetimeFigureOut">
               <a:rPr lang="en-US" smtClean="0"/>
-              <a:t>8/11/2024</a:t>
+              <a:t>8/12/2024</a:t>
             </a:fld>
             <a:endParaRPr lang="en-US"/>
           </a:p>
@@ -3415,7 +3421,7 @@
           <p:cNvPr id="2" name="Title 1">
             <a:extLst>
               <a:ext uri="{FF2B5EF4-FFF2-40B4-BE49-F238E27FC236}">
-                <a16:creationId xmlns:a16="http://schemas.microsoft.com/office/drawing/2014/main" id="{C1FAEB23-4DD4-4E63-D1A1-DA88A76B0856}"/>
+                <a16:creationId xmlns:a16="http://schemas.microsoft.com/office/drawing/2014/main" id="{5C541398-D439-99B5-A3CB-6557DD5A9EF5}"/>
               </a:ext>
             </a:extLst>
           </p:cNvPr>
@@ -3433,7 +3439,7 @@
           <a:p>
             <a:r>
               <a:rPr lang="en-US" dirty="0"/>
-              <a:t>Stepping thru all trials (7023)</a:t>
+              <a:t>ERPs right now</a:t>
             </a:r>
           </a:p>
         </p:txBody>
@@ -3443,7 +3449,7 @@
           <p:cNvPr id="5" name="Picture 4">
             <a:extLst>
               <a:ext uri="{FF2B5EF4-FFF2-40B4-BE49-F238E27FC236}">
-                <a16:creationId xmlns:a16="http://schemas.microsoft.com/office/drawing/2014/main" id="{4A3304DD-4B74-F1C2-AC33-A6AB678B82B5}"/>
+                <a16:creationId xmlns:a16="http://schemas.microsoft.com/office/drawing/2014/main" id="{8C120D45-4E46-5BD2-5B61-EFDC999CB70A}"/>
               </a:ext>
             </a:extLst>
           </p:cNvPr>
@@ -3460,8 +3466,38 @@
         </p:blipFill>
         <p:spPr>
           <a:xfrm>
-            <a:off x="985520" y="1694509"/>
-            <a:ext cx="10220960" cy="4929484"/>
+            <a:off x="382279" y="1690688"/>
+            <a:ext cx="5819122" cy="4846320"/>
+          </a:xfrm>
+          <a:prstGeom prst="rect">
+            <a:avLst/>
+          </a:prstGeom>
+        </p:spPr>
+      </p:pic>
+      <p:pic>
+        <p:nvPicPr>
+          <p:cNvPr id="7" name="Picture 6">
+            <a:extLst>
+              <a:ext uri="{FF2B5EF4-FFF2-40B4-BE49-F238E27FC236}">
+                <a16:creationId xmlns:a16="http://schemas.microsoft.com/office/drawing/2014/main" id="{D39AF34D-B123-9241-87E0-E3D74B8C0A2C}"/>
+              </a:ext>
+            </a:extLst>
+          </p:cNvPr>
+          <p:cNvPicPr>
+            <a:picLocks noChangeAspect="1"/>
+          </p:cNvPicPr>
+          <p:nvPr/>
+        </p:nvPicPr>
+        <p:blipFill>
+          <a:blip r:embed="rId3"/>
+          <a:stretch>
+            <a:fillRect/>
+          </a:stretch>
+        </p:blipFill>
+        <p:spPr>
+          <a:xfrm>
+            <a:off x="6498541" y="1836267"/>
+            <a:ext cx="5311180" cy="4590568"/>
           </a:xfrm>
           <a:prstGeom prst="rect">
             <a:avLst/>
@@ -3471,7 +3507,7 @@
     </p:spTree>
     <p:extLst>
       <p:ext uri="{BB962C8B-B14F-4D97-AF65-F5344CB8AC3E}">
-        <p14:creationId xmlns:p14="http://schemas.microsoft.com/office/powerpoint/2010/main" val="4209291907"/>
+        <p14:creationId xmlns:p14="http://schemas.microsoft.com/office/powerpoint/2010/main" val="1257259433"/>
       </p:ext>
     </p:extLst>
   </p:cSld>
@@ -3503,7 +3539,7 @@
           <p:cNvPr id="2" name="Title 1">
             <a:extLst>
               <a:ext uri="{FF2B5EF4-FFF2-40B4-BE49-F238E27FC236}">
-                <a16:creationId xmlns:a16="http://schemas.microsoft.com/office/drawing/2014/main" id="{1247B9DB-6E46-17F3-6B9E-4AEDD0F02076}"/>
+                <a16:creationId xmlns:a16="http://schemas.microsoft.com/office/drawing/2014/main" id="{D2BB2513-8F74-BA41-91CC-5C2868384363}"/>
               </a:ext>
             </a:extLst>
           </p:cNvPr>
@@ -3514,24 +3550,29 @@
             <p:ph type="title"/>
           </p:nvPr>
         </p:nvSpPr>
-        <p:spPr/>
+        <p:spPr>
+          <a:xfrm>
+            <a:off x="838200" y="-122555"/>
+            <a:ext cx="10515600" cy="1325563"/>
+          </a:xfrm>
+        </p:spPr>
         <p:txBody>
           <a:bodyPr/>
           <a:lstStyle/>
           <a:p>
             <a:r>
               <a:rPr lang="en-US" dirty="0"/>
-              <a:t>Condition by Condition (7023)</a:t>
+              <a:t>Response to whole trial</a:t>
             </a:r>
           </a:p>
         </p:txBody>
       </p:sp>
       <p:pic>
         <p:nvPicPr>
-          <p:cNvPr id="5" name="Picture 4">
-            <a:extLst>
-              <a:ext uri="{FF2B5EF4-FFF2-40B4-BE49-F238E27FC236}">
-                <a16:creationId xmlns:a16="http://schemas.microsoft.com/office/drawing/2014/main" id="{FEA4D06E-F390-57FC-0089-46480DFAF286}"/>
+          <p:cNvPr id="7" name="Picture 6">
+            <a:extLst>
+              <a:ext uri="{FF2B5EF4-FFF2-40B4-BE49-F238E27FC236}">
+                <a16:creationId xmlns:a16="http://schemas.microsoft.com/office/drawing/2014/main" id="{201C9CF0-41BC-66FA-8A68-60744594EFB4}"/>
               </a:ext>
             </a:extLst>
           </p:cNvPr>
@@ -3548,8 +3589,8 @@
         </p:blipFill>
         <p:spPr>
           <a:xfrm>
-            <a:off x="838200" y="1690688"/>
-            <a:ext cx="10515600" cy="5071586"/>
+            <a:off x="-101600" y="864870"/>
+            <a:ext cx="12192000" cy="5880100"/>
           </a:xfrm>
           <a:prstGeom prst="rect">
             <a:avLst/>
@@ -3559,7 +3600,7 @@
     </p:spTree>
     <p:extLst>
       <p:ext uri="{BB962C8B-B14F-4D97-AF65-F5344CB8AC3E}">
-        <p14:creationId xmlns:p14="http://schemas.microsoft.com/office/powerpoint/2010/main" val="4055657395"/>
+        <p14:creationId xmlns:p14="http://schemas.microsoft.com/office/powerpoint/2010/main" val="923616638"/>
       </p:ext>
     </p:extLst>
   </p:cSld>
@@ -3591,7 +3632,7 @@
           <p:cNvPr id="2" name="Title 1">
             <a:extLst>
               <a:ext uri="{FF2B5EF4-FFF2-40B4-BE49-F238E27FC236}">
-                <a16:creationId xmlns:a16="http://schemas.microsoft.com/office/drawing/2014/main" id="{FA0D9816-B296-D4FC-D700-472929FB4C17}"/>
+                <a16:creationId xmlns:a16="http://schemas.microsoft.com/office/drawing/2014/main" id="{257E14A1-898E-9E3F-4992-0F8FD84180F6}"/>
               </a:ext>
             </a:extLst>
           </p:cNvPr>
@@ -3609,40 +3650,128 @@
           <a:p>
             <a:r>
               <a:rPr lang="en-US" dirty="0"/>
-              <a:t>Stepping thru all trials (7024)</a:t>
-            </a:r>
-          </a:p>
-        </p:txBody>
-      </p:sp>
-      <p:sp>
-        <p:nvSpPr>
-          <p:cNvPr id="3" name="Content Placeholder 2">
-            <a:extLst>
-              <a:ext uri="{FF2B5EF4-FFF2-40B4-BE49-F238E27FC236}">
-                <a16:creationId xmlns:a16="http://schemas.microsoft.com/office/drawing/2014/main" id="{29B8F30F-5F50-87F1-0B69-D889AE718638}"/>
-              </a:ext>
-            </a:extLst>
-          </p:cNvPr>
-          <p:cNvSpPr>
-            <a:spLocks noGrp="1"/>
-          </p:cNvSpPr>
-          <p:nvPr>
-            <p:ph idx="1"/>
-          </p:nvPr>
-        </p:nvSpPr>
-        <p:spPr/>
-        <p:txBody>
-          <a:bodyPr/>
-          <a:lstStyle/>
-          <a:p>
-            <a:endParaRPr lang="en-US"/>
-          </a:p>
-        </p:txBody>
-      </p:sp>
+              <a:t>Plot button presses??</a:t>
+            </a:r>
+          </a:p>
+        </p:txBody>
+      </p:sp>
+      <p:pic>
+        <p:nvPicPr>
+          <p:cNvPr id="5" name="Picture 4">
+            <a:extLst>
+              <a:ext uri="{FF2B5EF4-FFF2-40B4-BE49-F238E27FC236}">
+                <a16:creationId xmlns:a16="http://schemas.microsoft.com/office/drawing/2014/main" id="{14119749-15B7-126D-0E36-075DC8812552}"/>
+              </a:ext>
+            </a:extLst>
+          </p:cNvPr>
+          <p:cNvPicPr>
+            <a:picLocks noChangeAspect="1"/>
+          </p:cNvPicPr>
+          <p:nvPr/>
+        </p:nvPicPr>
+        <p:blipFill>
+          <a:blip r:embed="rId2"/>
+          <a:stretch>
+            <a:fillRect/>
+          </a:stretch>
+        </p:blipFill>
+        <p:spPr>
+          <a:xfrm>
+            <a:off x="3199130" y="1492250"/>
+            <a:ext cx="6667500" cy="5000625"/>
+          </a:xfrm>
+          <a:prstGeom prst="rect">
+            <a:avLst/>
+          </a:prstGeom>
+        </p:spPr>
+      </p:pic>
     </p:spTree>
     <p:extLst>
       <p:ext uri="{BB962C8B-B14F-4D97-AF65-F5344CB8AC3E}">
-        <p14:creationId xmlns:p14="http://schemas.microsoft.com/office/powerpoint/2010/main" val="919419616"/>
+        <p14:creationId xmlns:p14="http://schemas.microsoft.com/office/powerpoint/2010/main" val="1859557540"/>
+      </p:ext>
+    </p:extLst>
+  </p:cSld>
+  <p:clrMapOvr>
+    <a:masterClrMapping/>
+  </p:clrMapOvr>
+</p:sld>
+</file>
+
+<file path=ppt/slides/slide5.xml><?xml version="1.0" encoding="utf-8"?>
+<p:sld xmlns:a="http://schemas.openxmlformats.org/drawingml/2006/main" xmlns:r="http://schemas.openxmlformats.org/officeDocument/2006/relationships" xmlns:p="http://schemas.openxmlformats.org/presentationml/2006/main">
+  <p:cSld>
+    <p:spTree>
+      <p:nvGrpSpPr>
+        <p:cNvPr id="1" name=""/>
+        <p:cNvGrpSpPr/>
+        <p:nvPr/>
+      </p:nvGrpSpPr>
+      <p:grpSpPr>
+        <a:xfrm>
+          <a:off x="0" y="0"/>
+          <a:ext cx="0" cy="0"/>
+          <a:chOff x="0" y="0"/>
+          <a:chExt cx="0" cy="0"/>
+        </a:xfrm>
+      </p:grpSpPr>
+      <p:sp>
+        <p:nvSpPr>
+          <p:cNvPr id="2" name="Title 1">
+            <a:extLst>
+              <a:ext uri="{FF2B5EF4-FFF2-40B4-BE49-F238E27FC236}">
+                <a16:creationId xmlns:a16="http://schemas.microsoft.com/office/drawing/2014/main" id="{847FD3AA-854A-F020-C5B5-BC2516E84A28}"/>
+              </a:ext>
+            </a:extLst>
+          </p:cNvPr>
+          <p:cNvSpPr>
+            <a:spLocks noGrp="1"/>
+          </p:cNvSpPr>
+          <p:nvPr>
+            <p:ph type="title"/>
+          </p:nvPr>
+        </p:nvSpPr>
+        <p:spPr/>
+        <p:txBody>
+          <a:bodyPr/>
+          <a:lstStyle/>
+          <a:p>
+            <a:r>
+              <a:rPr lang="en-US" dirty="0"/>
+              <a:t>Break up by all four conditions</a:t>
+            </a:r>
+          </a:p>
+        </p:txBody>
+      </p:sp>
+      <p:sp>
+        <p:nvSpPr>
+          <p:cNvPr id="3" name="Content Placeholder 2">
+            <a:extLst>
+              <a:ext uri="{FF2B5EF4-FFF2-40B4-BE49-F238E27FC236}">
+                <a16:creationId xmlns:a16="http://schemas.microsoft.com/office/drawing/2014/main" id="{E3C79FB9-ED45-CB48-325E-55B983D87EE3}"/>
+              </a:ext>
+            </a:extLst>
+          </p:cNvPr>
+          <p:cNvSpPr>
+            <a:spLocks noGrp="1"/>
+          </p:cNvSpPr>
+          <p:nvPr>
+            <p:ph idx="1"/>
+          </p:nvPr>
+        </p:nvSpPr>
+        <p:spPr/>
+        <p:txBody>
+          <a:bodyPr/>
+          <a:lstStyle/>
+          <a:p>
+            <a:endParaRPr lang="en-US"/>
+          </a:p>
+        </p:txBody>
+      </p:sp>
+    </p:spTree>
+    <p:extLst>
+      <p:ext uri="{BB962C8B-B14F-4D97-AF65-F5344CB8AC3E}">
+        <p14:creationId xmlns:p14="http://schemas.microsoft.com/office/powerpoint/2010/main" val="4094599102"/>
       </p:ext>
     </p:extLst>
   </p:cSld>
